--- a/report/fig_toilet_cleaning_robot_happy_burger.pptx
+++ b/report/fig_toilet_cleaning_robot_happy_burger.pptx
@@ -244,7 +244,7 @@
           <a:p>
             <a:fld id="{62457337-220B-4D9D-B01A-6535CD117297}" type="datetimeFigureOut">
               <a:rPr lang="en-US" smtClean="0"/>
-              <a:t>1/28/2019</a:t>
+              <a:t>1/29/2019</a:t>
             </a:fld>
             <a:endParaRPr lang="en-US"/>
           </a:p>
@@ -446,7 +446,7 @@
           <a:p>
             <a:fld id="{62457337-220B-4D9D-B01A-6535CD117297}" type="datetimeFigureOut">
               <a:rPr lang="en-US" smtClean="0"/>
-              <a:t>1/28/2019</a:t>
+              <a:t>1/29/2019</a:t>
             </a:fld>
             <a:endParaRPr lang="en-US"/>
           </a:p>
@@ -658,7 +658,7 @@
           <a:p>
             <a:fld id="{62457337-220B-4D9D-B01A-6535CD117297}" type="datetimeFigureOut">
               <a:rPr lang="en-US" smtClean="0"/>
-              <a:t>1/28/2019</a:t>
+              <a:t>1/29/2019</a:t>
             </a:fld>
             <a:endParaRPr lang="en-US"/>
           </a:p>
@@ -860,7 +860,7 @@
           <a:p>
             <a:fld id="{62457337-220B-4D9D-B01A-6535CD117297}" type="datetimeFigureOut">
               <a:rPr lang="en-US" smtClean="0"/>
-              <a:t>1/28/2019</a:t>
+              <a:t>1/29/2019</a:t>
             </a:fld>
             <a:endParaRPr lang="en-US"/>
           </a:p>
@@ -1106,7 +1106,7 @@
           <a:p>
             <a:fld id="{62457337-220B-4D9D-B01A-6535CD117297}" type="datetimeFigureOut">
               <a:rPr lang="en-US" smtClean="0"/>
-              <a:t>1/28/2019</a:t>
+              <a:t>1/29/2019</a:t>
             </a:fld>
             <a:endParaRPr lang="en-US"/>
           </a:p>
@@ -1402,7 +1402,7 @@
           <a:p>
             <a:fld id="{62457337-220B-4D9D-B01A-6535CD117297}" type="datetimeFigureOut">
               <a:rPr lang="en-US" smtClean="0"/>
-              <a:t>1/28/2019</a:t>
+              <a:t>1/29/2019</a:t>
             </a:fld>
             <a:endParaRPr lang="en-US"/>
           </a:p>
@@ -1833,7 +1833,7 @@
           <a:p>
             <a:fld id="{62457337-220B-4D9D-B01A-6535CD117297}" type="datetimeFigureOut">
               <a:rPr lang="en-US" smtClean="0"/>
-              <a:t>1/28/2019</a:t>
+              <a:t>1/29/2019</a:t>
             </a:fld>
             <a:endParaRPr lang="en-US"/>
           </a:p>
@@ -1951,7 +1951,7 @@
           <a:p>
             <a:fld id="{62457337-220B-4D9D-B01A-6535CD117297}" type="datetimeFigureOut">
               <a:rPr lang="en-US" smtClean="0"/>
-              <a:t>1/28/2019</a:t>
+              <a:t>1/29/2019</a:t>
             </a:fld>
             <a:endParaRPr lang="en-US"/>
           </a:p>
@@ -2046,7 +2046,7 @@
           <a:p>
             <a:fld id="{62457337-220B-4D9D-B01A-6535CD117297}" type="datetimeFigureOut">
               <a:rPr lang="en-US" smtClean="0"/>
-              <a:t>1/28/2019</a:t>
+              <a:t>1/29/2019</a:t>
             </a:fld>
             <a:endParaRPr lang="en-US"/>
           </a:p>
@@ -2355,7 +2355,7 @@
           <a:p>
             <a:fld id="{62457337-220B-4D9D-B01A-6535CD117297}" type="datetimeFigureOut">
               <a:rPr lang="en-US" smtClean="0"/>
-              <a:t>1/28/2019</a:t>
+              <a:t>1/29/2019</a:t>
             </a:fld>
             <a:endParaRPr lang="en-US"/>
           </a:p>
@@ -2608,7 +2608,7 @@
           <a:p>
             <a:fld id="{62457337-220B-4D9D-B01A-6535CD117297}" type="datetimeFigureOut">
               <a:rPr lang="en-US" smtClean="0"/>
-              <a:t>1/28/2019</a:t>
+              <a:t>1/29/2019</a:t>
             </a:fld>
             <a:endParaRPr lang="en-US"/>
           </a:p>
@@ -2853,7 +2853,7 @@
           <a:p>
             <a:fld id="{62457337-220B-4D9D-B01A-6535CD117297}" type="datetimeFigureOut">
               <a:rPr lang="en-US" smtClean="0"/>
-              <a:t>1/28/2019</a:t>
+              <a:t>1/29/2019</a:t>
             </a:fld>
             <a:endParaRPr lang="en-US"/>
           </a:p>
@@ -3266,10 +3266,10 @@
         </p:nvGrpSpPr>
         <p:grpSpPr>
           <a:xfrm>
-            <a:off x="3319820" y="1540042"/>
-            <a:ext cx="5080837" cy="2927261"/>
-            <a:chOff x="5637003" y="2755046"/>
-            <a:chExt cx="2971959" cy="1712257"/>
+            <a:off x="3218825" y="1540042"/>
+            <a:ext cx="5181828" cy="2927261"/>
+            <a:chOff x="5577929" y="2755046"/>
+            <a:chExt cx="3031033" cy="1712257"/>
           </a:xfrm>
         </p:grpSpPr>
         <p:pic>
@@ -3379,8 +3379,8 @@
           </p:nvSpPr>
           <p:spPr>
             <a:xfrm>
-              <a:off x="5736826" y="4145400"/>
-              <a:ext cx="571218" cy="162026"/>
+              <a:off x="5894353" y="4145400"/>
+              <a:ext cx="413692" cy="162026"/>
             </a:xfrm>
             <a:prstGeom prst="rect">
               <a:avLst/>
@@ -3399,7 +3399,7 @@
                   <a:latin typeface="Times New Roman" panose="02020603050405020304" pitchFamily="18" charset="0"/>
                   <a:cs typeface="Times New Roman" panose="02020603050405020304" pitchFamily="18" charset="0"/>
                 </a:rPr>
-                <a:t>Roomba 890</a:t>
+                <a:t>Roomba</a:t>
               </a:r>
               <a:endParaRPr lang="en-US" sz="1200" dirty="0">
                 <a:latin typeface="Times New Roman" panose="02020603050405020304" pitchFamily="18" charset="0"/>
@@ -3452,8 +3452,8 @@
           </p:nvSpPr>
           <p:spPr>
             <a:xfrm>
-              <a:off x="5637003" y="3332938"/>
-              <a:ext cx="632165" cy="162026"/>
+              <a:off x="5577929" y="3332938"/>
+              <a:ext cx="691238" cy="162026"/>
             </a:xfrm>
             <a:prstGeom prst="rect">
               <a:avLst/>
@@ -3472,7 +3472,14 @@
                   <a:latin typeface="Times New Roman" panose="02020603050405020304" pitchFamily="18" charset="0"/>
                   <a:cs typeface="Times New Roman" panose="02020603050405020304" pitchFamily="18" charset="0"/>
                 </a:rPr>
-                <a:t>Depth Camera</a:t>
+                <a:t>RGB-D </a:t>
+              </a:r>
+              <a:r>
+                <a:rPr lang="en-US" sz="1200" dirty="0" smtClean="0">
+                  <a:latin typeface="Times New Roman" panose="02020603050405020304" pitchFamily="18" charset="0"/>
+                  <a:cs typeface="Times New Roman" panose="02020603050405020304" pitchFamily="18" charset="0"/>
+                </a:rPr>
+                <a:t>Camera</a:t>
               </a:r>
               <a:endParaRPr lang="en-US" sz="1200" dirty="0">
                 <a:latin typeface="Times New Roman" panose="02020603050405020304" pitchFamily="18" charset="0"/>
@@ -3569,8 +3576,8 @@
           </p:nvCxnSpPr>
           <p:spPr>
             <a:xfrm flipV="1">
-              <a:off x="6269168" y="3159613"/>
-              <a:ext cx="206239" cy="254338"/>
+              <a:off x="6269167" y="3159613"/>
+              <a:ext cx="206240" cy="254338"/>
             </a:xfrm>
             <a:prstGeom prst="straightConnector1">
               <a:avLst/>
